--- a/PowerPoints/SoundofBirds1stPresentation.pptx
+++ b/PowerPoints/SoundofBirds1stPresentation.pptx
@@ -3221,11 +3221,7 @@
             </a:r>
             <a:r>
               <a:rPr lang="en-US" smtClean="0"/>
-              <a:t>of </a:t>
-            </a:r>
-            <a:r>
-              <a:rPr lang="en-US" smtClean="0"/>
-              <a:t>Birds</a:t>
+              <a:t>of Birds</a:t>
             </a:r>
             <a:endParaRPr lang="en-US" dirty="0"/>
           </a:p>
@@ -4298,13 +4294,25 @@
           <a:p>
             <a:r>
               <a:rPr lang="en-US" dirty="0" smtClean="0"/>
-              <a:t>Some birds have high frequency and some birds have high volume </a:t>
-            </a:r>
-          </a:p>
-          <a:p>
+              <a:t>Different </a:t>
+            </a:r>
             <a:r>
               <a:rPr lang="en-US" dirty="0" smtClean="0"/>
-              <a:t>Using Frequency in different point we might identified different birds in sound </a:t>
+              <a:t>birds have different figure </a:t>
+            </a:r>
+          </a:p>
+          <a:p>
+            <a:r>
+              <a:rPr lang="en-US" dirty="0" smtClean="0"/>
+              <a:t>Using Time, Frequency</a:t>
+            </a:r>
+            <a:r>
+              <a:rPr lang="en-US" smtClean="0"/>
+              <a:t>, Energy </a:t>
+            </a:r>
+            <a:r>
+              <a:rPr lang="en-US" dirty="0" smtClean="0"/>
+              <a:t>in different point we might identified different birds in sound </a:t>
             </a:r>
           </a:p>
           <a:p>

--- a/PowerPoints/SoundofBirds1stPresentation.pptx
+++ b/PowerPoints/SoundofBirds1stPresentation.pptx
@@ -6,10 +6,14 @@
   </p:sldMasterIdLst>
   <p:sldIdLst>
     <p:sldId id="256" r:id="rId2"/>
-    <p:sldId id="257" r:id="rId3"/>
-    <p:sldId id="258" r:id="rId4"/>
-    <p:sldId id="259" r:id="rId5"/>
-    <p:sldId id="260" r:id="rId6"/>
+    <p:sldId id="260" r:id="rId3"/>
+    <p:sldId id="261" r:id="rId4"/>
+    <p:sldId id="257" r:id="rId5"/>
+    <p:sldId id="258" r:id="rId6"/>
+    <p:sldId id="265" r:id="rId7"/>
+    <p:sldId id="262" r:id="rId8"/>
+    <p:sldId id="263" r:id="rId9"/>
+    <p:sldId id="264" r:id="rId10"/>
   </p:sldIdLst>
   <p:sldSz cx="9144000" cy="6858000" type="screen4x3"/>
   <p:notesSz cx="7010400" cy="9296400"/>
@@ -306,7 +310,7 @@
             <a:fld id="{04AF466F-BDA4-4F18-9C7B-FF0A9A1B0E80}" type="datetime1">
               <a:rPr lang="en-US" smtClean="0"/>
               <a:pPr/>
-              <a:t>11/10/15</a:t>
+              <a:t>12/13/15</a:t>
             </a:fld>
             <a:endParaRPr lang="en-US"/>
           </a:p>
@@ -473,7 +477,7 @@
             <a:fld id="{58FB4290-6522-4139-852E-05BD9E7F0D2E}" type="datetime1">
               <a:rPr lang="en-US" smtClean="0"/>
               <a:pPr/>
-              <a:t>11/10/15</a:t>
+              <a:t>12/13/15</a:t>
             </a:fld>
             <a:endParaRPr lang="en-US"/>
           </a:p>
@@ -650,7 +654,7 @@
             <a:fld id="{AAB955F9-81EA-47C5-8059-9E5C2B437C70}" type="datetime1">
               <a:rPr lang="en-US" smtClean="0"/>
               <a:pPr/>
-              <a:t>11/10/15</a:t>
+              <a:t>12/13/15</a:t>
             </a:fld>
             <a:endParaRPr lang="en-US"/>
           </a:p>
@@ -817,7 +821,7 @@
             <a:fld id="{1CEF607B-A47E-422C-9BEF-122CCDB7C526}" type="datetime1">
               <a:rPr lang="en-US" smtClean="0"/>
               <a:pPr/>
-              <a:t>11/10/15</a:t>
+              <a:t>12/13/15</a:t>
             </a:fld>
             <a:endParaRPr lang="en-US"/>
           </a:p>
@@ -1060,7 +1064,7 @@
             <a:fld id="{63A9A7CB-BEE6-4F99-898E-913F06E8E125}" type="datetime1">
               <a:rPr lang="en-US" smtClean="0"/>
               <a:pPr/>
-              <a:t>11/10/15</a:t>
+              <a:t>12/13/15</a:t>
             </a:fld>
             <a:endParaRPr lang="en-US"/>
           </a:p>
@@ -1345,7 +1349,7 @@
             <a:fld id="{B6EE300C-6FC5-4FC3-AF1A-075E4F50620D}" type="datetime1">
               <a:rPr lang="en-US" smtClean="0"/>
               <a:pPr/>
-              <a:t>11/10/15</a:t>
+              <a:t>12/13/15</a:t>
             </a:fld>
             <a:endParaRPr lang="en-US"/>
           </a:p>
@@ -1776,7 +1780,7 @@
             <a:fld id="{F50D295D-4A77-4DEB-B04C-9F4282A8BC04}" type="datetime1">
               <a:rPr lang="en-US" smtClean="0"/>
               <a:pPr/>
-              <a:t>11/10/15</a:t>
+              <a:t>12/13/15</a:t>
             </a:fld>
             <a:endParaRPr lang="en-US"/>
           </a:p>
@@ -1891,7 +1895,7 @@
             <a:fld id="{02B28685-4D0C-42D5-8013-B5904CD1FCBC}" type="datetime1">
               <a:rPr lang="en-US" smtClean="0"/>
               <a:pPr/>
-              <a:t>11/10/15</a:t>
+              <a:t>12/13/15</a:t>
             </a:fld>
             <a:endParaRPr lang="en-US"/>
           </a:p>
@@ -1983,7 +1987,7 @@
             <a:fld id="{FDF226C0-9885-4BA9-BBFA-A52CBFEBB775}" type="datetime1">
               <a:rPr lang="en-US" smtClean="0"/>
               <a:pPr/>
-              <a:t>11/10/15</a:t>
+              <a:t>12/13/15</a:t>
             </a:fld>
             <a:endParaRPr lang="en-US"/>
           </a:p>
@@ -2174,7 +2178,7 @@
             <a:fld id="{EBEE1B38-C5EB-4D66-9137-0AFE9CDEDE8F}" type="datetime1">
               <a:rPr lang="en-US" smtClean="0"/>
               <a:pPr/>
-              <a:t>11/10/15</a:t>
+              <a:t>12/13/15</a:t>
             </a:fld>
             <a:endParaRPr lang="en-US"/>
           </a:p>
@@ -2494,7 +2498,7 @@
             <a:fld id="{327B613C-1AD7-49D3-885D-F654C5CDBAA6}" type="datetime1">
               <a:rPr lang="en-US" smtClean="0"/>
               <a:pPr/>
-              <a:t>11/10/15</a:t>
+              <a:t>12/13/15</a:t>
             </a:fld>
             <a:endParaRPr lang="en-US" dirty="0"/>
           </a:p>
@@ -2876,7 +2880,7 @@
             <a:fld id="{327B613C-1AD7-49D3-885D-F654C5CDBAA6}" type="datetime1">
               <a:rPr lang="en-US" smtClean="0"/>
               <a:pPr/>
-              <a:t>11/10/15</a:t>
+              <a:t>12/13/15</a:t>
             </a:fld>
             <a:endParaRPr lang="en-US" dirty="0"/>
           </a:p>
@@ -3210,18 +3214,34 @@
             <p:ph type="ctrTitle"/>
           </p:nvPr>
         </p:nvSpPr>
-        <p:spPr/>
+        <p:spPr>
+          <a:xfrm>
+            <a:off x="685800" y="1251511"/>
+            <a:ext cx="7543800" cy="2944730"/>
+          </a:xfrm>
+        </p:spPr>
         <p:txBody>
           <a:bodyPr/>
           <a:lstStyle/>
           <a:p>
             <a:r>
               <a:rPr lang="en-US" dirty="0" smtClean="0"/>
-              <a:t>Sounds </a:t>
-            </a:r>
-            <a:r>
-              <a:rPr lang="en-US" smtClean="0"/>
-              <a:t>of Birds</a:t>
+              <a:t>Final Presentation</a:t>
+            </a:r>
+            <a:r>
+              <a:rPr lang="en-US" dirty="0"/>
+              <a:t/>
+            </a:r>
+            <a:br>
+              <a:rPr lang="en-US" dirty="0"/>
+            </a:br>
+            <a:r>
+              <a:rPr lang="en-US" dirty="0"/>
+              <a:t>Pattern </a:t>
+            </a:r>
+            <a:r>
+              <a:rPr lang="en-US" dirty="0" smtClean="0"/>
+              <a:t>Recognition Birds Sounds</a:t>
             </a:r>
             <a:endParaRPr lang="en-US" dirty="0"/>
           </a:p>
@@ -3237,7 +3257,12 @@
             <p:ph type="subTitle" idx="1"/>
           </p:nvPr>
         </p:nvSpPr>
-        <p:spPr/>
+        <p:spPr>
+          <a:xfrm>
+            <a:off x="685800" y="4572000"/>
+            <a:ext cx="6461760" cy="654896"/>
+          </a:xfrm>
+        </p:spPr>
         <p:txBody>
           <a:bodyPr/>
           <a:lstStyle/>
@@ -3299,7 +3324,7 @@
           <a:p>
             <a:r>
               <a:rPr lang="en-US" dirty="0" smtClean="0"/>
-              <a:t>Data Collection</a:t>
+              <a:t>Assumption</a:t>
             </a:r>
             <a:endParaRPr lang="en-US" dirty="0"/>
           </a:p>
@@ -3322,69 +3347,72 @@
           <a:p>
             <a:r>
               <a:rPr lang="en-US" dirty="0" smtClean="0"/>
-              <a:t>Bald Eagle</a:t>
-            </a:r>
-          </a:p>
-          <a:p>
+              <a:t>B</a:t>
+            </a:r>
             <a:r>
               <a:rPr lang="en-US" dirty="0" smtClean="0"/>
-              <a:t>Black Crows</a:t>
-            </a:r>
-          </a:p>
-          <a:p>
+              <a:t>irds’ sounds </a:t>
+            </a:r>
             <a:r>
               <a:rPr lang="en-US" dirty="0" smtClean="0"/>
-              <a:t>Black Gull</a:t>
-            </a:r>
+              <a:t>spectrum has unique pattern </a:t>
+            </a:r>
+            <a:endParaRPr lang="en-US" dirty="0" smtClean="0"/>
           </a:p>
           <a:p>
             <a:r>
               <a:rPr lang="en-US" dirty="0" smtClean="0"/>
-              <a:t>Blue Jay</a:t>
-            </a:r>
-          </a:p>
-          <a:p>
+              <a:t>Different </a:t>
+            </a:r>
             <a:r>
               <a:rPr lang="en-US" dirty="0" smtClean="0"/>
-              <a:t>Hawk</a:t>
+              <a:t>birds should have unique of sound printing </a:t>
             </a:r>
           </a:p>
           <a:p>
             <a:r>
               <a:rPr lang="en-US" dirty="0" smtClean="0"/>
-              <a:t>Merlin</a:t>
-            </a:r>
-          </a:p>
-          <a:p>
+              <a:t>Different birds have different </a:t>
+            </a:r>
             <a:r>
               <a:rPr lang="en-US" dirty="0" smtClean="0"/>
-              <a:t>Owl </a:t>
-            </a:r>
+              <a:t>figures in signal </a:t>
+            </a:r>
+            <a:endParaRPr lang="en-US" dirty="0" smtClean="0"/>
           </a:p>
           <a:p>
             <a:r>
               <a:rPr lang="en-US" dirty="0" smtClean="0"/>
-              <a:t>Parrot</a:t>
-            </a:r>
-          </a:p>
-          <a:p>
+              <a:t>Using Time, Frequency, Energy in </a:t>
+            </a:r>
             <a:r>
               <a:rPr lang="en-US" dirty="0" smtClean="0"/>
-              <a:t>Peacock</a:t>
-            </a:r>
-          </a:p>
-          <a:p>
+              <a:t>difference </a:t>
+            </a:r>
             <a:r>
               <a:rPr lang="en-US" dirty="0" smtClean="0"/>
-              <a:t>Rooster</a:t>
-            </a:r>
+              <a:t>point we might </a:t>
+            </a:r>
+            <a:r>
+              <a:rPr lang="en-US" dirty="0" smtClean="0"/>
+              <a:t>find difference distance between different birds . </a:t>
+            </a:r>
+          </a:p>
+          <a:p>
+            <a:pPr marL="114300" indent="0">
+              <a:buNone/>
+            </a:pPr>
+            <a:endParaRPr lang="en-US" dirty="0" smtClean="0"/>
+          </a:p>
+          <a:p>
+            <a:endParaRPr lang="en-US" dirty="0"/>
           </a:p>
         </p:txBody>
       </p:sp>
     </p:spTree>
     <p:extLst>
       <p:ext uri="{BB962C8B-B14F-4D97-AF65-F5344CB8AC3E}">
-        <p14:creationId xmlns:p14="http://schemas.microsoft.com/office/powerpoint/2010/main" val="3829565181"/>
+        <p14:creationId xmlns:p14="http://schemas.microsoft.com/office/powerpoint/2010/main" val="1212190872"/>
       </p:ext>
     </p:extLst>
   </p:cSld>
@@ -3428,7 +3456,389 @@
           <a:p>
             <a:r>
               <a:rPr lang="en-US" dirty="0" smtClean="0"/>
-              <a:t>Data Analysis 1</a:t>
+              <a:t>Classification Birds’ Sounds</a:t>
+            </a:r>
+            <a:endParaRPr lang="en-US" dirty="0"/>
+          </a:p>
+        </p:txBody>
+      </p:sp>
+      <p:sp>
+        <p:nvSpPr>
+          <p:cNvPr id="3" name="Content Placeholder 2"/>
+          <p:cNvSpPr>
+            <a:spLocks noGrp="1"/>
+          </p:cNvSpPr>
+          <p:nvPr>
+            <p:ph idx="1"/>
+          </p:nvPr>
+        </p:nvSpPr>
+        <p:spPr/>
+        <p:txBody>
+          <a:bodyPr>
+            <a:normAutofit/>
+          </a:bodyPr>
+          <a:lstStyle/>
+          <a:p>
+            <a:r>
+              <a:rPr lang="en-US" dirty="0" smtClean="0">
+                <a:latin typeface="Times"/>
+                <a:cs typeface="Times"/>
+              </a:rPr>
+              <a:t>Birds Sounds </a:t>
+            </a:r>
+          </a:p>
+          <a:p>
+            <a:pPr lvl="1"/>
+            <a:r>
+              <a:rPr lang="en-US" dirty="0" smtClean="0">
+                <a:latin typeface="Times"/>
+                <a:cs typeface="Times"/>
+              </a:rPr>
+              <a:t>Birds’ Songs – Consider Birds Sound ID, related to unique rating and have more melody. </a:t>
+            </a:r>
+          </a:p>
+          <a:p>
+            <a:pPr lvl="1"/>
+            <a:r>
+              <a:rPr lang="en-US" dirty="0" smtClean="0">
+                <a:latin typeface="Times"/>
+                <a:cs typeface="Times"/>
+              </a:rPr>
+              <a:t>Birds’ Calls – Alert sound and short </a:t>
+            </a:r>
+            <a:endParaRPr lang="en-US" dirty="0">
+              <a:latin typeface="Times"/>
+              <a:cs typeface="Times"/>
+            </a:endParaRPr>
+          </a:p>
+          <a:p>
+            <a:r>
+              <a:rPr lang="en-US" dirty="0" smtClean="0">
+                <a:latin typeface="Times"/>
+                <a:cs typeface="Times"/>
+              </a:rPr>
+              <a:t>Vocalization of birds’ sound </a:t>
+            </a:r>
+          </a:p>
+          <a:p>
+            <a:pPr lvl="1"/>
+            <a:r>
+              <a:rPr lang="en-US" dirty="0" smtClean="0">
+                <a:latin typeface="Times"/>
+                <a:cs typeface="Times"/>
+              </a:rPr>
+              <a:t>Used SNR </a:t>
+            </a:r>
+            <a:r>
+              <a:rPr lang="en-US" dirty="0">
+                <a:latin typeface="Times"/>
+                <a:cs typeface="Times"/>
+              </a:rPr>
+              <a:t>(min, median, max</a:t>
+            </a:r>
+            <a:r>
+              <a:rPr lang="en-US" dirty="0" smtClean="0">
+                <a:latin typeface="Times"/>
+                <a:cs typeface="Times"/>
+              </a:rPr>
+              <a:t>) Data</a:t>
+            </a:r>
+          </a:p>
+          <a:p>
+            <a:pPr lvl="1"/>
+            <a:r>
+              <a:rPr lang="en-US" dirty="0" smtClean="0">
+                <a:latin typeface="Times"/>
+                <a:cs typeface="Times"/>
+              </a:rPr>
+              <a:t>Created Model set for different birds</a:t>
+            </a:r>
+            <a:endParaRPr lang="en-US" dirty="0">
+              <a:latin typeface="Times"/>
+              <a:cs typeface="Times"/>
+            </a:endParaRPr>
+          </a:p>
+          <a:p>
+            <a:pPr lvl="1"/>
+            <a:r>
+              <a:rPr lang="en-US" dirty="0">
+                <a:latin typeface="Times"/>
+                <a:cs typeface="Times"/>
+              </a:rPr>
+              <a:t>Frequency Track </a:t>
+            </a:r>
+            <a:r>
+              <a:rPr lang="en-US" dirty="0" smtClean="0">
+                <a:latin typeface="Times"/>
+                <a:cs typeface="Times"/>
+              </a:rPr>
+              <a:t>Extraction Algorithm (FTE ) </a:t>
+            </a:r>
+          </a:p>
+          <a:p>
+            <a:pPr lvl="2"/>
+            <a:r>
+              <a:rPr lang="en-US" dirty="0" smtClean="0">
+                <a:latin typeface="Times"/>
+                <a:cs typeface="Times"/>
+              </a:rPr>
+              <a:t>Transforms a time series into a spectrogram </a:t>
+            </a:r>
+          </a:p>
+          <a:p>
+            <a:pPr lvl="2"/>
+            <a:r>
+              <a:rPr lang="en-US" dirty="0" smtClean="0">
+                <a:latin typeface="Times"/>
+                <a:cs typeface="Times"/>
+              </a:rPr>
+              <a:t>Using  </a:t>
+            </a:r>
+            <a:r>
+              <a:rPr lang="en-US" dirty="0">
+                <a:latin typeface="Times"/>
+                <a:cs typeface="Times"/>
+              </a:rPr>
+              <a:t>T – Time, F – Frequency, A – </a:t>
+            </a:r>
+            <a:r>
+              <a:rPr lang="en-US" dirty="0" smtClean="0">
+                <a:latin typeface="Times"/>
+                <a:cs typeface="Times"/>
+              </a:rPr>
+              <a:t>Amplitude</a:t>
+            </a:r>
+            <a:endParaRPr lang="en-US" dirty="0">
+              <a:latin typeface="Times"/>
+              <a:cs typeface="Times"/>
+            </a:endParaRPr>
+          </a:p>
+          <a:p>
+            <a:pPr marL="114300" indent="0">
+              <a:buNone/>
+            </a:pPr>
+            <a:endParaRPr lang="en-US" dirty="0">
+              <a:latin typeface="Times"/>
+              <a:cs typeface="Times"/>
+            </a:endParaRPr>
+          </a:p>
+          <a:p>
+            <a:pPr lvl="1"/>
+            <a:endParaRPr lang="en-US" dirty="0" smtClean="0">
+              <a:latin typeface="Times"/>
+              <a:cs typeface="Times"/>
+            </a:endParaRPr>
+          </a:p>
+          <a:p>
+            <a:pPr lvl="1"/>
+            <a:endParaRPr lang="en-US" dirty="0">
+              <a:latin typeface="Times"/>
+              <a:cs typeface="Times"/>
+            </a:endParaRPr>
+          </a:p>
+        </p:txBody>
+      </p:sp>
+      <p:pic>
+        <p:nvPicPr>
+          <p:cNvPr id="4" name="Picture 3"/>
+          <p:cNvPicPr>
+            <a:picLocks noChangeAspect="1"/>
+          </p:cNvPicPr>
+          <p:nvPr/>
+        </p:nvPicPr>
+        <p:blipFill>
+          <a:blip r:embed="rId2"/>
+          <a:stretch>
+            <a:fillRect/>
+          </a:stretch>
+        </p:blipFill>
+        <p:spPr>
+          <a:xfrm>
+            <a:off x="1583059" y="5382413"/>
+            <a:ext cx="3460637" cy="425145"/>
+          </a:xfrm>
+          <a:prstGeom prst="rect">
+            <a:avLst/>
+          </a:prstGeom>
+        </p:spPr>
+      </p:pic>
+    </p:spTree>
+    <p:extLst>
+      <p:ext uri="{BB962C8B-B14F-4D97-AF65-F5344CB8AC3E}">
+        <p14:creationId xmlns:p14="http://schemas.microsoft.com/office/powerpoint/2010/main" val="2813261248"/>
+      </p:ext>
+    </p:extLst>
+  </p:cSld>
+  <p:clrMapOvr>
+    <a:masterClrMapping/>
+  </p:clrMapOvr>
+</p:sld>
+</file>
+
+<file path=ppt/slides/slide4.xml><?xml version="1.0" encoding="utf-8"?>
+<p:sld xmlns:a="http://schemas.openxmlformats.org/drawingml/2006/main" xmlns:r="http://schemas.openxmlformats.org/officeDocument/2006/relationships" xmlns:p="http://schemas.openxmlformats.org/presentationml/2006/main">
+  <p:cSld>
+    <p:spTree>
+      <p:nvGrpSpPr>
+        <p:cNvPr id="1" name=""/>
+        <p:cNvGrpSpPr/>
+        <p:nvPr/>
+      </p:nvGrpSpPr>
+      <p:grpSpPr>
+        <a:xfrm>
+          <a:off x="0" y="0"/>
+          <a:ext cx="0" cy="0"/>
+          <a:chOff x="0" y="0"/>
+          <a:chExt cx="0" cy="0"/>
+        </a:xfrm>
+      </p:grpSpPr>
+      <p:sp>
+        <p:nvSpPr>
+          <p:cNvPr id="2" name="Title 1"/>
+          <p:cNvSpPr>
+            <a:spLocks noGrp="1"/>
+          </p:cNvSpPr>
+          <p:nvPr>
+            <p:ph type="title"/>
+          </p:nvPr>
+        </p:nvSpPr>
+        <p:spPr/>
+        <p:txBody>
+          <a:bodyPr/>
+          <a:lstStyle/>
+          <a:p>
+            <a:r>
+              <a:rPr lang="en-US" dirty="0" smtClean="0"/>
+              <a:t>Data Collection</a:t>
+            </a:r>
+            <a:endParaRPr lang="en-US" dirty="0"/>
+          </a:p>
+        </p:txBody>
+      </p:sp>
+      <p:sp>
+        <p:nvSpPr>
+          <p:cNvPr id="3" name="Content Placeholder 2"/>
+          <p:cNvSpPr>
+            <a:spLocks noGrp="1"/>
+          </p:cNvSpPr>
+          <p:nvPr>
+            <p:ph idx="1"/>
+          </p:nvPr>
+        </p:nvSpPr>
+        <p:spPr/>
+        <p:txBody>
+          <a:bodyPr/>
+          <a:lstStyle/>
+          <a:p>
+            <a:r>
+              <a:rPr lang="en-US" dirty="0" smtClean="0"/>
+              <a:t>Bald Eagle</a:t>
+            </a:r>
+          </a:p>
+          <a:p>
+            <a:r>
+              <a:rPr lang="en-US" dirty="0" smtClean="0"/>
+              <a:t>Black Crows</a:t>
+            </a:r>
+          </a:p>
+          <a:p>
+            <a:r>
+              <a:rPr lang="en-US" dirty="0" smtClean="0"/>
+              <a:t>Black Gull</a:t>
+            </a:r>
+          </a:p>
+          <a:p>
+            <a:r>
+              <a:rPr lang="en-US" dirty="0" smtClean="0"/>
+              <a:t>Blue Jay</a:t>
+            </a:r>
+          </a:p>
+          <a:p>
+            <a:r>
+              <a:rPr lang="en-US" dirty="0" smtClean="0"/>
+              <a:t>Hawk</a:t>
+            </a:r>
+          </a:p>
+          <a:p>
+            <a:r>
+              <a:rPr lang="en-US" dirty="0" smtClean="0"/>
+              <a:t>Merlin</a:t>
+            </a:r>
+          </a:p>
+          <a:p>
+            <a:r>
+              <a:rPr lang="en-US" dirty="0" smtClean="0"/>
+              <a:t>Owl </a:t>
+            </a:r>
+          </a:p>
+          <a:p>
+            <a:r>
+              <a:rPr lang="en-US" dirty="0" smtClean="0"/>
+              <a:t>Parrot</a:t>
+            </a:r>
+          </a:p>
+          <a:p>
+            <a:r>
+              <a:rPr lang="en-US" dirty="0" smtClean="0"/>
+              <a:t>Peacock</a:t>
+            </a:r>
+          </a:p>
+          <a:p>
+            <a:r>
+              <a:rPr lang="en-US" dirty="0" smtClean="0"/>
+              <a:t>Rooster</a:t>
+            </a:r>
+          </a:p>
+        </p:txBody>
+      </p:sp>
+    </p:spTree>
+    <p:extLst>
+      <p:ext uri="{BB962C8B-B14F-4D97-AF65-F5344CB8AC3E}">
+        <p14:creationId xmlns:p14="http://schemas.microsoft.com/office/powerpoint/2010/main" val="3829565181"/>
+      </p:ext>
+    </p:extLst>
+  </p:cSld>
+  <p:clrMapOvr>
+    <a:masterClrMapping/>
+  </p:clrMapOvr>
+</p:sld>
+</file>
+
+<file path=ppt/slides/slide5.xml><?xml version="1.0" encoding="utf-8"?>
+<p:sld xmlns:a="http://schemas.openxmlformats.org/drawingml/2006/main" xmlns:r="http://schemas.openxmlformats.org/officeDocument/2006/relationships" xmlns:p="http://schemas.openxmlformats.org/presentationml/2006/main">
+  <p:cSld>
+    <p:spTree>
+      <p:nvGrpSpPr>
+        <p:cNvPr id="1" name=""/>
+        <p:cNvGrpSpPr/>
+        <p:nvPr/>
+      </p:nvGrpSpPr>
+      <p:grpSpPr>
+        <a:xfrm>
+          <a:off x="0" y="0"/>
+          <a:ext cx="0" cy="0"/>
+          <a:chOff x="0" y="0"/>
+          <a:chExt cx="0" cy="0"/>
+        </a:xfrm>
+      </p:grpSpPr>
+      <p:sp>
+        <p:nvSpPr>
+          <p:cNvPr id="2" name="Title 1"/>
+          <p:cNvSpPr>
+            <a:spLocks noGrp="1"/>
+          </p:cNvSpPr>
+          <p:nvPr>
+            <p:ph type="title"/>
+          </p:nvPr>
+        </p:nvSpPr>
+        <p:spPr/>
+        <p:txBody>
+          <a:bodyPr/>
+          <a:lstStyle/>
+          <a:p>
+            <a:r>
+              <a:rPr lang="en-US" dirty="0" smtClean="0"/>
+              <a:t>Raw Data</a:t>
             </a:r>
             <a:endParaRPr lang="en-US" dirty="0"/>
           </a:p>
@@ -3444,14 +3854,14 @@
             <p:ph idx="1"/>
             <p:extLst>
               <p:ext uri="{D42A27DB-BD31-4B8C-83A1-F6EECF244321}">
-                <p14:modId xmlns:p14="http://schemas.microsoft.com/office/powerpoint/2010/main" val="3196155436"/>
+                <p14:modId xmlns:p14="http://schemas.microsoft.com/office/powerpoint/2010/main" val="2842792860"/>
               </p:ext>
             </p:extLst>
           </p:nvPr>
         </p:nvGraphicFramePr>
         <p:xfrm>
-          <a:off x="457200" y="1281137"/>
-          <a:ext cx="7620000" cy="5331266"/>
+          <a:off x="457200" y="1265064"/>
+          <a:ext cx="7620000" cy="4824515"/>
         </p:xfrm>
         <a:graphic>
           <a:graphicData uri="http://schemas.openxmlformats.org/drawingml/2006/table">
@@ -3492,7 +3902,7 @@
                   <a:tcPr/>
                 </a:tc>
               </a:tr>
-              <a:tr h="1033195">
+              <a:tr h="476071">
                 <a:tc>
                   <a:txBody>
                     <a:bodyPr/>
@@ -3534,7 +3944,7 @@
                   <a:tcPr/>
                 </a:tc>
               </a:tr>
-              <a:tr h="961683">
+              <a:tr h="441710">
                 <a:tc>
                   <a:txBody>
                     <a:bodyPr/>
@@ -3576,7 +3986,7 @@
                   <a:tcPr/>
                 </a:tc>
               </a:tr>
-              <a:tr h="961683">
+              <a:tr h="460114">
                 <a:tc>
                   <a:txBody>
                     <a:bodyPr/>
@@ -3618,7 +4028,7 @@
                   <a:tcPr/>
                 </a:tc>
               </a:tr>
-              <a:tr h="961683">
+              <a:tr h="365760">
                 <a:tc>
                   <a:txBody>
                     <a:bodyPr/>
@@ -3660,7 +4070,7 @@
                   <a:tcPr/>
                 </a:tc>
               </a:tr>
-              <a:tr h="961683">
+              <a:tr h="404900">
                 <a:tc>
                   <a:txBody>
                     <a:bodyPr/>
@@ -3702,253 +4112,33 @@
                   <a:tcPr/>
                 </a:tc>
               </a:tr>
-            </a:tbl>
-          </a:graphicData>
-        </a:graphic>
-      </p:graphicFrame>
-      <p:pic>
-        <p:nvPicPr>
-          <p:cNvPr id="5" name="Picture 4"/>
-          <p:cNvPicPr>
-            <a:picLocks noChangeAspect="1"/>
-          </p:cNvPicPr>
-          <p:nvPr/>
-        </p:nvPicPr>
-        <p:blipFill>
-          <a:blip r:embed="rId2"/>
-          <a:stretch>
-            <a:fillRect/>
-          </a:stretch>
-        </p:blipFill>
-        <p:spPr>
-          <a:xfrm>
-            <a:off x="1934308" y="1727223"/>
-            <a:ext cx="6142892" cy="1036826"/>
-          </a:xfrm>
-          <a:prstGeom prst="rect">
-            <a:avLst/>
-          </a:prstGeom>
-        </p:spPr>
-      </p:pic>
-      <p:pic>
-        <p:nvPicPr>
-          <p:cNvPr id="6" name="Picture 5"/>
-          <p:cNvPicPr>
-            <a:picLocks noChangeAspect="1"/>
-          </p:cNvPicPr>
-          <p:nvPr/>
-        </p:nvPicPr>
-        <p:blipFill>
-          <a:blip r:embed="rId3"/>
-          <a:stretch>
-            <a:fillRect/>
-          </a:stretch>
-        </p:blipFill>
-        <p:spPr>
-          <a:xfrm>
-            <a:off x="1934308" y="2764049"/>
-            <a:ext cx="6142892" cy="1006874"/>
-          </a:xfrm>
-          <a:prstGeom prst="rect">
-            <a:avLst/>
-          </a:prstGeom>
-        </p:spPr>
-      </p:pic>
-      <p:pic>
-        <p:nvPicPr>
-          <p:cNvPr id="7" name="Picture 6"/>
-          <p:cNvPicPr>
-            <a:picLocks noChangeAspect="1"/>
-          </p:cNvPicPr>
-          <p:nvPr/>
-        </p:nvPicPr>
-        <p:blipFill>
-          <a:blip r:embed="rId4"/>
-          <a:stretch>
-            <a:fillRect/>
-          </a:stretch>
-        </p:blipFill>
-        <p:spPr>
-          <a:xfrm>
-            <a:off x="1934308" y="3770923"/>
-            <a:ext cx="6142892" cy="880014"/>
-          </a:xfrm>
-          <a:prstGeom prst="rect">
-            <a:avLst/>
-          </a:prstGeom>
-        </p:spPr>
-      </p:pic>
-      <p:pic>
-        <p:nvPicPr>
-          <p:cNvPr id="8" name="Picture 7"/>
-          <p:cNvPicPr>
-            <a:picLocks noChangeAspect="1"/>
-          </p:cNvPicPr>
-          <p:nvPr/>
-        </p:nvPicPr>
-        <p:blipFill>
-          <a:blip r:embed="rId5"/>
-          <a:stretch>
-            <a:fillRect/>
-          </a:stretch>
-        </p:blipFill>
-        <p:spPr>
-          <a:xfrm>
-            <a:off x="1934308" y="4650937"/>
-            <a:ext cx="6142892" cy="918308"/>
-          </a:xfrm>
-          <a:prstGeom prst="rect">
-            <a:avLst/>
-          </a:prstGeom>
-        </p:spPr>
-      </p:pic>
-      <p:pic>
-        <p:nvPicPr>
-          <p:cNvPr id="9" name="Picture 8"/>
-          <p:cNvPicPr>
-            <a:picLocks noChangeAspect="1"/>
-          </p:cNvPicPr>
-          <p:nvPr/>
-        </p:nvPicPr>
-        <p:blipFill>
-          <a:blip r:embed="rId6"/>
-          <a:stretch>
-            <a:fillRect/>
-          </a:stretch>
-        </p:blipFill>
-        <p:spPr>
-          <a:xfrm>
-            <a:off x="1934308" y="5569245"/>
-            <a:ext cx="6142892" cy="1113692"/>
-          </a:xfrm>
-          <a:prstGeom prst="rect">
-            <a:avLst/>
-          </a:prstGeom>
-        </p:spPr>
-      </p:pic>
-    </p:spTree>
-    <p:extLst>
-      <p:ext uri="{BB962C8B-B14F-4D97-AF65-F5344CB8AC3E}">
-        <p14:creationId xmlns:p14="http://schemas.microsoft.com/office/powerpoint/2010/main" val="1102069443"/>
-      </p:ext>
-    </p:extLst>
-  </p:cSld>
-  <p:clrMapOvr>
-    <a:masterClrMapping/>
-  </p:clrMapOvr>
-</p:sld>
-</file>
-
-<file path=ppt/slides/slide4.xml><?xml version="1.0" encoding="utf-8"?>
-<p:sld xmlns:a="http://schemas.openxmlformats.org/drawingml/2006/main" xmlns:r="http://schemas.openxmlformats.org/officeDocument/2006/relationships" xmlns:p="http://schemas.openxmlformats.org/presentationml/2006/main">
-  <p:cSld>
-    <p:spTree>
-      <p:nvGrpSpPr>
-        <p:cNvPr id="1" name=""/>
-        <p:cNvGrpSpPr/>
-        <p:nvPr/>
-      </p:nvGrpSpPr>
-      <p:grpSpPr>
-        <a:xfrm>
-          <a:off x="0" y="0"/>
-          <a:ext cx="0" cy="0"/>
-          <a:chOff x="0" y="0"/>
-          <a:chExt cx="0" cy="0"/>
-        </a:xfrm>
-      </p:grpSpPr>
-      <p:sp>
-        <p:nvSpPr>
-          <p:cNvPr id="2" name="Title 1"/>
-          <p:cNvSpPr>
-            <a:spLocks noGrp="1"/>
-          </p:cNvSpPr>
-          <p:nvPr>
-            <p:ph type="title"/>
-          </p:nvPr>
-        </p:nvSpPr>
-        <p:spPr/>
-        <p:txBody>
-          <a:bodyPr/>
-          <a:lstStyle/>
-          <a:p>
-            <a:r>
-              <a:rPr lang="en-US" dirty="0" smtClean="0"/>
-              <a:t>Data Analysis 2</a:t>
-            </a:r>
-            <a:endParaRPr lang="en-US" dirty="0"/>
-          </a:p>
-        </p:txBody>
-      </p:sp>
-      <p:graphicFrame>
-        <p:nvGraphicFramePr>
-          <p:cNvPr id="4" name="Content Placeholder 3"/>
-          <p:cNvGraphicFramePr>
-            <a:graphicFrameLocks noGrp="1"/>
-          </p:cNvGraphicFramePr>
-          <p:nvPr>
-            <p:ph idx="1"/>
-            <p:extLst>
-              <p:ext uri="{D42A27DB-BD31-4B8C-83A1-F6EECF244321}">
-                <p14:modId xmlns:p14="http://schemas.microsoft.com/office/powerpoint/2010/main" val="1504075440"/>
-              </p:ext>
-            </p:extLst>
-          </p:nvPr>
-        </p:nvGraphicFramePr>
-        <p:xfrm>
-          <a:off x="457200" y="1600200"/>
-          <a:ext cx="7620000" cy="4769338"/>
-        </p:xfrm>
-        <a:graphic>
-          <a:graphicData uri="http://schemas.openxmlformats.org/drawingml/2006/table">
-            <a:tbl>
-              <a:tblPr firstRow="1" bandRow="1">
-                <a:tableStyleId>{5C22544A-7EE6-4342-B048-85BDC9FD1C3A}</a:tableStyleId>
-              </a:tblPr>
-              <a:tblGrid>
-                <a:gridCol w="1125415"/>
-                <a:gridCol w="6494585"/>
-              </a:tblGrid>
-              <a:tr h="370840">
+              <a:tr h="496923">
                 <a:tc>
                   <a:txBody>
                     <a:bodyPr/>
                     <a:lstStyle/>
                     <a:p>
-                      <a:r>
-                        <a:rPr lang="en-US" dirty="0" smtClean="0"/>
-                        <a:t>Birds</a:t>
-                      </a:r>
-                      <a:endParaRPr lang="en-US" dirty="0"/>
-                    </a:p>
-                  </a:txBody>
-                  <a:tcPr/>
-                </a:tc>
-                <a:tc>
-                  <a:txBody>
-                    <a:bodyPr/>
-                    <a:lstStyle/>
-                    <a:p>
-                      <a:r>
-                        <a:rPr lang="en-US" dirty="0" smtClean="0"/>
-                        <a:t>Sounds</a:t>
-                      </a:r>
-                      <a:endParaRPr lang="en-US" dirty="0"/>
-                    </a:p>
-                  </a:txBody>
-                  <a:tcPr/>
-                </a:tc>
-              </a:tr>
-              <a:tr h="666652">
-                <a:tc>
-                  <a:txBody>
-                    <a:bodyPr/>
-                    <a:lstStyle/>
-                    <a:p>
+                      <a:pPr marL="0" marR="0" indent="0" algn="l" defTabSz="914400" rtl="0" eaLnBrk="1" fontAlgn="auto" latinLnBrk="0" hangingPunct="1">
+                        <a:lnSpc>
+                          <a:spcPct val="100000"/>
+                        </a:lnSpc>
+                        <a:spcBef>
+                          <a:spcPts val="0"/>
+                        </a:spcBef>
+                        <a:spcAft>
+                          <a:spcPts val="0"/>
+                        </a:spcAft>
+                        <a:buClrTx/>
+                        <a:buSzTx/>
+                        <a:buFontTx/>
+                        <a:buNone/>
+                        <a:tabLst/>
+                        <a:defRPr/>
+                      </a:pPr>
                       <a:r>
                         <a:rPr lang="en-US" dirty="0" smtClean="0"/>
                         <a:t>Black Gull</a:t>
                       </a:r>
-                      <a:endParaRPr lang="en-US" dirty="0"/>
                     </a:p>
                   </a:txBody>
                   <a:tcPr/>
@@ -3964,12 +4154,29 @@
                   <a:tcPr/>
                 </a:tc>
               </a:tr>
-              <a:tr h="762000">
+              <a:tr h="501003">
                 <a:tc>
                   <a:txBody>
                     <a:bodyPr/>
                     <a:lstStyle/>
                     <a:p>
+                      <a:pPr marL="0" marR="0" indent="0" algn="l" defTabSz="914400" rtl="0" eaLnBrk="1" fontAlgn="auto" latinLnBrk="0" hangingPunct="1">
+                        <a:lnSpc>
+                          <a:spcPct val="100000"/>
+                        </a:lnSpc>
+                        <a:spcBef>
+                          <a:spcPts val="0"/>
+                        </a:spcBef>
+                        <a:spcAft>
+                          <a:spcPts val="0"/>
+                        </a:spcAft>
+                        <a:buClrTx/>
+                        <a:buSzTx/>
+                        <a:buFontTx/>
+                        <a:buNone/>
+                        <a:tabLst/>
+                        <a:defRPr/>
+                      </a:pPr>
                       <a:r>
                         <a:rPr lang="en-US" dirty="0" smtClean="0"/>
                         <a:t>Blue</a:t>
@@ -3978,7 +4185,7 @@
                         <a:rPr lang="en-US" baseline="0" dirty="0" smtClean="0"/>
                         <a:t> Jay</a:t>
                       </a:r>
-                      <a:endParaRPr lang="en-US" dirty="0"/>
+                      <a:endParaRPr lang="en-US" dirty="0" smtClean="0"/>
                     </a:p>
                   </a:txBody>
                   <a:tcPr/>
@@ -3994,17 +4201,33 @@
                   <a:tcPr/>
                 </a:tc>
               </a:tr>
-              <a:tr h="879231">
+              <a:tr h="364012">
                 <a:tc>
                   <a:txBody>
                     <a:bodyPr/>
                     <a:lstStyle/>
                     <a:p>
+                      <a:pPr marL="0" marR="0" indent="0" algn="l" defTabSz="914400" rtl="0" eaLnBrk="1" fontAlgn="auto" latinLnBrk="0" hangingPunct="1">
+                        <a:lnSpc>
+                          <a:spcPct val="100000"/>
+                        </a:lnSpc>
+                        <a:spcBef>
+                          <a:spcPts val="0"/>
+                        </a:spcBef>
+                        <a:spcAft>
+                          <a:spcPts val="0"/>
+                        </a:spcAft>
+                        <a:buClrTx/>
+                        <a:buSzTx/>
+                        <a:buFontTx/>
+                        <a:buNone/>
+                        <a:tabLst/>
+                        <a:defRPr/>
+                      </a:pPr>
                       <a:r>
                         <a:rPr lang="en-US" dirty="0" smtClean="0"/>
                         <a:t>Merlin</a:t>
                       </a:r>
-                      <a:endParaRPr lang="en-US" dirty="0"/>
                     </a:p>
                   </a:txBody>
                   <a:tcPr/>
@@ -4020,7 +4243,7 @@
                   <a:tcPr/>
                 </a:tc>
               </a:tr>
-              <a:tr h="957385">
+              <a:tr h="495175">
                 <a:tc>
                   <a:txBody>
                     <a:bodyPr/>
@@ -4062,17 +4285,33 @@
                   <a:tcPr/>
                 </a:tc>
               </a:tr>
-              <a:tr h="1133230">
+              <a:tr h="349687">
                 <a:tc>
                   <a:txBody>
                     <a:bodyPr/>
                     <a:lstStyle/>
                     <a:p>
+                      <a:pPr marL="0" marR="0" indent="0" algn="l" defTabSz="914400" rtl="0" eaLnBrk="1" fontAlgn="auto" latinLnBrk="0" hangingPunct="1">
+                        <a:lnSpc>
+                          <a:spcPct val="100000"/>
+                        </a:lnSpc>
+                        <a:spcBef>
+                          <a:spcPts val="0"/>
+                        </a:spcBef>
+                        <a:spcAft>
+                          <a:spcPts val="0"/>
+                        </a:spcAft>
+                        <a:buClrTx/>
+                        <a:buSzTx/>
+                        <a:buFontTx/>
+                        <a:buNone/>
+                        <a:tabLst/>
+                        <a:defRPr/>
+                      </a:pPr>
                       <a:r>
                         <a:rPr lang="en-US" dirty="0" smtClean="0"/>
                         <a:t>Parrot</a:t>
                       </a:r>
-                      <a:endParaRPr lang="en-US" dirty="0"/>
                     </a:p>
                   </a:txBody>
                   <a:tcPr/>
@@ -4108,8 +4347,32 @@
         </p:blipFill>
         <p:spPr>
           <a:xfrm>
-            <a:off x="1543539" y="1973385"/>
-            <a:ext cx="6533661" cy="722923"/>
+            <a:off x="1934308" y="1727223"/>
+            <a:ext cx="6142892" cy="536538"/>
+          </a:xfrm>
+          <a:prstGeom prst="rect">
+            <a:avLst/>
+          </a:prstGeom>
+        </p:spPr>
+      </p:pic>
+      <p:pic>
+        <p:nvPicPr>
+          <p:cNvPr id="6" name="Picture 5"/>
+          <p:cNvPicPr>
+            <a:picLocks noChangeAspect="1"/>
+          </p:cNvPicPr>
+          <p:nvPr/>
+        </p:nvPicPr>
+        <p:blipFill>
+          <a:blip r:embed="rId3"/>
+          <a:stretch>
+            <a:fillRect/>
+          </a:stretch>
+        </p:blipFill>
+        <p:spPr>
+          <a:xfrm>
+            <a:off x="1934308" y="2260612"/>
+            <a:ext cx="6142892" cy="371240"/>
           </a:xfrm>
           <a:prstGeom prst="rect">
             <a:avLst/>
@@ -4125,15 +4388,15 @@
           <p:nvPr/>
         </p:nvPicPr>
         <p:blipFill>
-          <a:blip r:embed="rId3"/>
+          <a:blip r:embed="rId4"/>
           <a:stretch>
             <a:fillRect/>
           </a:stretch>
         </p:blipFill>
         <p:spPr>
           <a:xfrm>
-            <a:off x="1543539" y="2696308"/>
-            <a:ext cx="6533661" cy="742462"/>
+            <a:off x="1934308" y="2631852"/>
+            <a:ext cx="6142892" cy="423305"/>
           </a:xfrm>
           <a:prstGeom prst="rect">
             <a:avLst/>
@@ -4149,15 +4412,15 @@
           <p:nvPr/>
         </p:nvPicPr>
         <p:blipFill>
-          <a:blip r:embed="rId4"/>
+          <a:blip r:embed="rId5"/>
           <a:stretch>
             <a:fillRect/>
           </a:stretch>
         </p:blipFill>
         <p:spPr>
           <a:xfrm>
-            <a:off x="1543538" y="3438770"/>
-            <a:ext cx="6533662" cy="879231"/>
+            <a:off x="1934308" y="3055158"/>
+            <a:ext cx="6142892" cy="386496"/>
           </a:xfrm>
           <a:prstGeom prst="rect">
             <a:avLst/>
@@ -4173,15 +4436,15 @@
           <p:nvPr/>
         </p:nvPicPr>
         <p:blipFill>
-          <a:blip r:embed="rId5"/>
+          <a:blip r:embed="rId6"/>
           <a:stretch>
             <a:fillRect/>
           </a:stretch>
         </p:blipFill>
         <p:spPr>
           <a:xfrm>
-            <a:off x="1543538" y="4318001"/>
-            <a:ext cx="6533660" cy="957384"/>
+            <a:off x="1934308" y="3469260"/>
+            <a:ext cx="6142892" cy="386496"/>
           </a:xfrm>
           <a:prstGeom prst="rect">
             <a:avLst/>
@@ -4197,15 +4460,111 @@
           <p:nvPr/>
         </p:nvPicPr>
         <p:blipFill>
-          <a:blip r:embed="rId6"/>
+          <a:blip r:embed="rId7"/>
           <a:stretch>
             <a:fillRect/>
           </a:stretch>
         </p:blipFill>
         <p:spPr>
           <a:xfrm>
-            <a:off x="1543539" y="5275385"/>
-            <a:ext cx="6533662" cy="1094153"/>
+            <a:off x="1934308" y="3855756"/>
+            <a:ext cx="6142892" cy="478517"/>
+          </a:xfrm>
+          <a:prstGeom prst="rect">
+            <a:avLst/>
+          </a:prstGeom>
+        </p:spPr>
+      </p:pic>
+      <p:pic>
+        <p:nvPicPr>
+          <p:cNvPr id="11" name="Picture 10"/>
+          <p:cNvPicPr>
+            <a:picLocks noChangeAspect="1"/>
+          </p:cNvPicPr>
+          <p:nvPr/>
+        </p:nvPicPr>
+        <p:blipFill>
+          <a:blip r:embed="rId8"/>
+          <a:stretch>
+            <a:fillRect/>
+          </a:stretch>
+        </p:blipFill>
+        <p:spPr>
+          <a:xfrm>
+            <a:off x="1934309" y="4334273"/>
+            <a:ext cx="6142892" cy="542936"/>
+          </a:xfrm>
+          <a:prstGeom prst="rect">
+            <a:avLst/>
+          </a:prstGeom>
+        </p:spPr>
+      </p:pic>
+      <p:pic>
+        <p:nvPicPr>
+          <p:cNvPr id="12" name="Picture 11"/>
+          <p:cNvPicPr>
+            <a:picLocks noChangeAspect="1"/>
+          </p:cNvPicPr>
+          <p:nvPr/>
+        </p:nvPicPr>
+        <p:blipFill>
+          <a:blip r:embed="rId9"/>
+          <a:stretch>
+            <a:fillRect/>
+          </a:stretch>
+        </p:blipFill>
+        <p:spPr>
+          <a:xfrm>
+            <a:off x="1934308" y="4812793"/>
+            <a:ext cx="6142892" cy="414103"/>
+          </a:xfrm>
+          <a:prstGeom prst="rect">
+            <a:avLst/>
+          </a:prstGeom>
+        </p:spPr>
+      </p:pic>
+      <p:pic>
+        <p:nvPicPr>
+          <p:cNvPr id="13" name="Picture 12"/>
+          <p:cNvPicPr>
+            <a:picLocks noChangeAspect="1"/>
+          </p:cNvPicPr>
+          <p:nvPr/>
+        </p:nvPicPr>
+        <p:blipFill>
+          <a:blip r:embed="rId10"/>
+          <a:stretch>
+            <a:fillRect/>
+          </a:stretch>
+        </p:blipFill>
+        <p:spPr>
+          <a:xfrm>
+            <a:off x="1934309" y="5226896"/>
+            <a:ext cx="6142892" cy="423306"/>
+          </a:xfrm>
+          <a:prstGeom prst="rect">
+            <a:avLst/>
+          </a:prstGeom>
+        </p:spPr>
+      </p:pic>
+      <p:pic>
+        <p:nvPicPr>
+          <p:cNvPr id="14" name="Picture 13"/>
+          <p:cNvPicPr>
+            <a:picLocks noChangeAspect="1"/>
+          </p:cNvPicPr>
+          <p:nvPr/>
+        </p:nvPicPr>
+        <p:blipFill>
+          <a:blip r:embed="rId11"/>
+          <a:stretch>
+            <a:fillRect/>
+          </a:stretch>
+        </p:blipFill>
+        <p:spPr>
+          <a:xfrm>
+            <a:off x="1934307" y="5666276"/>
+            <a:ext cx="6142893" cy="423304"/>
           </a:xfrm>
           <a:prstGeom prst="rect">
             <a:avLst/>
@@ -4215,7 +4574,7 @@
     </p:spTree>
     <p:extLst>
       <p:ext uri="{BB962C8B-B14F-4D97-AF65-F5344CB8AC3E}">
-        <p14:creationId xmlns:p14="http://schemas.microsoft.com/office/powerpoint/2010/main" val="2166919769"/>
+        <p14:creationId xmlns:p14="http://schemas.microsoft.com/office/powerpoint/2010/main" val="1102069443"/>
       </p:ext>
     </p:extLst>
   </p:cSld>
@@ -4225,7 +4584,7 @@
 </p:sld>
 </file>
 
-<file path=ppt/slides/slide5.xml><?xml version="1.0" encoding="utf-8"?>
+<file path=ppt/slides/slide6.xml><?xml version="1.0" encoding="utf-8"?>
 <p:sld xmlns:a="http://schemas.openxmlformats.org/drawingml/2006/main" xmlns:r="http://schemas.openxmlformats.org/officeDocument/2006/relationships" xmlns:p="http://schemas.openxmlformats.org/presentationml/2006/main">
   <p:cSld>
     <p:spTree>
@@ -4259,7 +4618,7 @@
           <a:p>
             <a:r>
               <a:rPr lang="en-US" dirty="0" smtClean="0"/>
-              <a:t>Assumption</a:t>
+              <a:t>Signal Analysis Application and Signal Process Tools in MatLab</a:t>
             </a:r>
             <a:endParaRPr lang="en-US" dirty="0"/>
           </a:p>
@@ -4280,50 +4639,292 @@
           <a:bodyPr/>
           <a:lstStyle/>
           <a:p>
+            <a:endParaRPr lang="en-US" dirty="0" smtClean="0"/>
+          </a:p>
+          <a:p>
             <a:r>
               <a:rPr lang="en-US" dirty="0" smtClean="0"/>
-              <a:t>Each spectrum has unique pattern for each birds</a:t>
-            </a:r>
-          </a:p>
-          <a:p>
+              <a:t>Signal Process tools</a:t>
+            </a:r>
+          </a:p>
+          <a:p>
+            <a:pPr lvl="1"/>
             <a:r>
               <a:rPr lang="en-US" dirty="0" smtClean="0"/>
-              <a:t>Different birds should have unique of sound printing </a:t>
-            </a:r>
-          </a:p>
-          <a:p>
+              <a:t>Comparing signals with different sampling rates</a:t>
+            </a:r>
+          </a:p>
+          <a:p>
+            <a:pPr lvl="1"/>
             <a:r>
               <a:rPr lang="en-US" dirty="0" smtClean="0"/>
-              <a:t>Different </a:t>
-            </a:r>
+              <a:t>Measuring Delay between signals and aligning </a:t>
+            </a:r>
+            <a:endParaRPr lang="en-US" dirty="0"/>
+          </a:p>
+          <a:p>
+            <a:pPr lvl="1"/>
             <a:r>
               <a:rPr lang="en-US" dirty="0" smtClean="0"/>
-              <a:t>birds have different figure </a:t>
-            </a:r>
-          </a:p>
-          <a:p>
+              <a:t>Resampling Function </a:t>
+            </a:r>
+            <a:r>
+              <a:rPr lang="en-US" dirty="0"/>
+              <a:t>for removing noise, outliers, and spurious content from </a:t>
+            </a:r>
             <a:r>
               <a:rPr lang="en-US" dirty="0" smtClean="0"/>
-              <a:t>Using Time, Frequency</a:t>
-            </a:r>
-            <a:r>
-              <a:rPr lang="en-US" smtClean="0"/>
-              <a:t>, Energy </a:t>
-            </a:r>
+              <a:t>data</a:t>
+            </a:r>
+          </a:p>
+          <a:p>
             <a:r>
               <a:rPr lang="en-US" dirty="0" smtClean="0"/>
-              <a:t>in different point we might identified different birds in sound </a:t>
-            </a:r>
-          </a:p>
-          <a:p>
-            <a:endParaRPr lang="en-US" dirty="0"/>
+              <a:t>Signal Analysis Application </a:t>
+            </a:r>
+          </a:p>
+          <a:p>
+            <a:pPr lvl="1"/>
+            <a:r>
+              <a:rPr lang="en-US" dirty="0" smtClean="0"/>
+              <a:t>Comparing the frequency content of signals</a:t>
+            </a:r>
+          </a:p>
+          <a:p>
+            <a:pPr lvl="1"/>
+            <a:r>
+              <a:rPr lang="en-US" dirty="0" smtClean="0"/>
+              <a:t>Finding periodicities in a signal</a:t>
+            </a:r>
+          </a:p>
+          <a:p>
+            <a:pPr marL="114300" indent="0">
+              <a:buNone/>
+            </a:pPr>
+            <a:endParaRPr lang="en-US" dirty="0" smtClean="0"/>
           </a:p>
         </p:txBody>
       </p:sp>
     </p:spTree>
     <p:extLst>
       <p:ext uri="{BB962C8B-B14F-4D97-AF65-F5344CB8AC3E}">
-        <p14:creationId xmlns:p14="http://schemas.microsoft.com/office/powerpoint/2010/main" val="1212190872"/>
+        <p14:creationId xmlns:p14="http://schemas.microsoft.com/office/powerpoint/2010/main" val="1655232462"/>
+      </p:ext>
+    </p:extLst>
+  </p:cSld>
+  <p:clrMapOvr>
+    <a:masterClrMapping/>
+  </p:clrMapOvr>
+</p:sld>
+</file>
+
+<file path=ppt/slides/slide7.xml><?xml version="1.0" encoding="utf-8"?>
+<p:sld xmlns:a="http://schemas.openxmlformats.org/drawingml/2006/main" xmlns:r="http://schemas.openxmlformats.org/officeDocument/2006/relationships" xmlns:p="http://schemas.openxmlformats.org/presentationml/2006/main">
+  <p:cSld>
+    <p:spTree>
+      <p:nvGrpSpPr>
+        <p:cNvPr id="1" name=""/>
+        <p:cNvGrpSpPr/>
+        <p:nvPr/>
+      </p:nvGrpSpPr>
+      <p:grpSpPr>
+        <a:xfrm>
+          <a:off x="0" y="0"/>
+          <a:ext cx="0" cy="0"/>
+          <a:chOff x="0" y="0"/>
+          <a:chExt cx="0" cy="0"/>
+        </a:xfrm>
+      </p:grpSpPr>
+      <p:sp>
+        <p:nvSpPr>
+          <p:cNvPr id="2" name="Title 1"/>
+          <p:cNvSpPr>
+            <a:spLocks noGrp="1"/>
+          </p:cNvSpPr>
+          <p:nvPr>
+            <p:ph type="title"/>
+          </p:nvPr>
+        </p:nvSpPr>
+        <p:spPr/>
+        <p:txBody>
+          <a:bodyPr/>
+          <a:lstStyle/>
+          <a:p>
+            <a:r>
+              <a:rPr lang="en-US" dirty="0" smtClean="0"/>
+              <a:t>FFT</a:t>
+            </a:r>
+            <a:endParaRPr lang="en-US" dirty="0"/>
+          </a:p>
+        </p:txBody>
+      </p:sp>
+      <p:sp>
+        <p:nvSpPr>
+          <p:cNvPr id="3" name="Content Placeholder 2"/>
+          <p:cNvSpPr>
+            <a:spLocks noGrp="1"/>
+          </p:cNvSpPr>
+          <p:nvPr>
+            <p:ph idx="1"/>
+          </p:nvPr>
+        </p:nvSpPr>
+        <p:spPr/>
+        <p:txBody>
+          <a:bodyPr/>
+          <a:lstStyle/>
+          <a:p>
+            <a:endParaRPr lang="en-US" dirty="0"/>
+          </a:p>
+        </p:txBody>
+      </p:sp>
+    </p:spTree>
+    <p:extLst>
+      <p:ext uri="{BB962C8B-B14F-4D97-AF65-F5344CB8AC3E}">
+        <p14:creationId xmlns:p14="http://schemas.microsoft.com/office/powerpoint/2010/main" val="2482067212"/>
+      </p:ext>
+    </p:extLst>
+  </p:cSld>
+  <p:clrMapOvr>
+    <a:masterClrMapping/>
+  </p:clrMapOvr>
+</p:sld>
+</file>
+
+<file path=ppt/slides/slide8.xml><?xml version="1.0" encoding="utf-8"?>
+<p:sld xmlns:a="http://schemas.openxmlformats.org/drawingml/2006/main" xmlns:r="http://schemas.openxmlformats.org/officeDocument/2006/relationships" xmlns:p="http://schemas.openxmlformats.org/presentationml/2006/main">
+  <p:cSld>
+    <p:spTree>
+      <p:nvGrpSpPr>
+        <p:cNvPr id="1" name=""/>
+        <p:cNvGrpSpPr/>
+        <p:nvPr/>
+      </p:nvGrpSpPr>
+      <p:grpSpPr>
+        <a:xfrm>
+          <a:off x="0" y="0"/>
+          <a:ext cx="0" cy="0"/>
+          <a:chOff x="0" y="0"/>
+          <a:chExt cx="0" cy="0"/>
+        </a:xfrm>
+      </p:grpSpPr>
+      <p:sp>
+        <p:nvSpPr>
+          <p:cNvPr id="2" name="Title 1"/>
+          <p:cNvSpPr>
+            <a:spLocks noGrp="1"/>
+          </p:cNvSpPr>
+          <p:nvPr>
+            <p:ph type="title"/>
+          </p:nvPr>
+        </p:nvSpPr>
+        <p:spPr/>
+        <p:txBody>
+          <a:bodyPr/>
+          <a:lstStyle/>
+          <a:p>
+            <a:r>
+              <a:rPr lang="en-US" dirty="0" smtClean="0"/>
+              <a:t>Angular </a:t>
+            </a:r>
+            <a:endParaRPr lang="en-US" dirty="0"/>
+          </a:p>
+        </p:txBody>
+      </p:sp>
+      <p:sp>
+        <p:nvSpPr>
+          <p:cNvPr id="3" name="Content Placeholder 2"/>
+          <p:cNvSpPr>
+            <a:spLocks noGrp="1"/>
+          </p:cNvSpPr>
+          <p:nvPr>
+            <p:ph idx="1"/>
+          </p:nvPr>
+        </p:nvSpPr>
+        <p:spPr/>
+        <p:txBody>
+          <a:bodyPr/>
+          <a:lstStyle/>
+          <a:p>
+            <a:endParaRPr lang="en-US"/>
+          </a:p>
+        </p:txBody>
+      </p:sp>
+    </p:spTree>
+    <p:extLst>
+      <p:ext uri="{BB962C8B-B14F-4D97-AF65-F5344CB8AC3E}">
+        <p14:creationId xmlns:p14="http://schemas.microsoft.com/office/powerpoint/2010/main" val="2241127956"/>
+      </p:ext>
+    </p:extLst>
+  </p:cSld>
+  <p:clrMapOvr>
+    <a:masterClrMapping/>
+  </p:clrMapOvr>
+</p:sld>
+</file>
+
+<file path=ppt/slides/slide9.xml><?xml version="1.0" encoding="utf-8"?>
+<p:sld xmlns:a="http://schemas.openxmlformats.org/drawingml/2006/main" xmlns:r="http://schemas.openxmlformats.org/officeDocument/2006/relationships" xmlns:p="http://schemas.openxmlformats.org/presentationml/2006/main">
+  <p:cSld>
+    <p:spTree>
+      <p:nvGrpSpPr>
+        <p:cNvPr id="1" name=""/>
+        <p:cNvGrpSpPr/>
+        <p:nvPr/>
+      </p:nvGrpSpPr>
+      <p:grpSpPr>
+        <a:xfrm>
+          <a:off x="0" y="0"/>
+          <a:ext cx="0" cy="0"/>
+          <a:chOff x="0" y="0"/>
+          <a:chExt cx="0" cy="0"/>
+        </a:xfrm>
+      </p:grpSpPr>
+      <p:sp>
+        <p:nvSpPr>
+          <p:cNvPr id="2" name="Title 1"/>
+          <p:cNvSpPr>
+            <a:spLocks noGrp="1"/>
+          </p:cNvSpPr>
+          <p:nvPr>
+            <p:ph type="title"/>
+          </p:nvPr>
+        </p:nvSpPr>
+        <p:spPr/>
+        <p:txBody>
+          <a:bodyPr/>
+          <a:lstStyle/>
+          <a:p>
+            <a:r>
+              <a:rPr lang="en-US" dirty="0" smtClean="0"/>
+              <a:t>Magnitude</a:t>
+            </a:r>
+            <a:endParaRPr lang="en-US" dirty="0"/>
+          </a:p>
+        </p:txBody>
+      </p:sp>
+      <p:sp>
+        <p:nvSpPr>
+          <p:cNvPr id="3" name="Content Placeholder 2"/>
+          <p:cNvSpPr>
+            <a:spLocks noGrp="1"/>
+          </p:cNvSpPr>
+          <p:nvPr>
+            <p:ph idx="1"/>
+          </p:nvPr>
+        </p:nvSpPr>
+        <p:spPr/>
+        <p:txBody>
+          <a:bodyPr/>
+          <a:lstStyle/>
+          <a:p>
+            <a:endParaRPr lang="en-US"/>
+          </a:p>
+        </p:txBody>
+      </p:sp>
+    </p:spTree>
+    <p:extLst>
+      <p:ext uri="{BB962C8B-B14F-4D97-AF65-F5344CB8AC3E}">
+        <p14:creationId xmlns:p14="http://schemas.microsoft.com/office/powerpoint/2010/main" val="2781267501"/>
       </p:ext>
     </p:extLst>
   </p:cSld>
